--- a/doc/agent-development.pptx
+++ b/doc/agent-development.pptx
@@ -3424,10 +3424,6 @@
               <a:rPr lang="en-US" smtClean="0"/>
               <a:t>Stick &amp; Throttle Control</a:t>
             </a:r>
-            <a:r>
-              <a:rPr lang="en-US" smtClean="0"/>
-              <a:t/>
-            </a:r>
             <a:br>
               <a:rPr lang="en-US" smtClean="0"/>
             </a:br>
@@ -3956,11 +3952,7 @@
           <a:p>
             <a:r>
               <a:rPr lang="en-US" sz="2400" smtClean="0"/>
-              <a:t>Default: requires </a:t>
-            </a:r>
-            <a:r>
-              <a:rPr lang="en-US" sz="2400" smtClean="0"/>
-              <a:t>a DynamicsModel to do anything meaningful</a:t>
+              <a:t>Default: requires a DynamicsModel to do anything meaningful</a:t>
             </a:r>
           </a:p>
           <a:p>
@@ -5568,11 +5560,7 @@
           <a:p>
             <a:r>
               <a:rPr lang="en-US" smtClean="0"/>
-              <a:t>Player </a:t>
-            </a:r>
-            <a:r>
-              <a:rPr lang="en-US" smtClean="0"/>
-              <a:t>FCS / Autopilot Interface</a:t>
+              <a:t>Player FCS / Autopilot Interface</a:t>
             </a:r>
             <a:endParaRPr lang="en-US" dirty="0"/>
           </a:p>
@@ -5599,11 +5587,7 @@
             </a:r>
             <a:r>
               <a:rPr lang="en-US" smtClean="0"/>
-              <a:t>to </a:t>
-            </a:r>
-            <a:r>
-              <a:rPr lang="en-US" smtClean="0"/>
-              <a:t>FCS / Autopilot </a:t>
+              <a:t>to FCS / Autopilot </a:t>
             </a:r>
             <a:r>
               <a:rPr lang="en-US" dirty="0" smtClean="0"/>
@@ -7162,11 +7146,7 @@
             </a:r>
             <a:r>
               <a:rPr lang="en-US" sz="2000" smtClean="0"/>
-              <a:t>the </a:t>
-            </a:r>
-            <a:r>
-              <a:rPr lang="en-US" sz="2000" smtClean="0"/>
-              <a:t>FCS/Autopilot by providing higher level features (e.g., Flight </a:t>
+              <a:t>the FCS/Autopilot by providing higher level features (e.g., Flight </a:t>
             </a:r>
             <a:r>
               <a:rPr lang="en-US" sz="2000" dirty="0" smtClean="0"/>
@@ -7190,11 +7170,7 @@
             </a:r>
             <a:r>
               <a:rPr lang="en-US" sz="2000" smtClean="0"/>
-              <a:t>make </a:t>
-            </a:r>
-            <a:r>
-              <a:rPr lang="en-US" sz="2000" smtClean="0"/>
-              <a:t>“decisions”</a:t>
+              <a:t>make “decisions”</a:t>
             </a:r>
             <a:endParaRPr lang="en-US" sz="2000" dirty="0" smtClean="0"/>
           </a:p>
@@ -7672,11 +7648,7 @@
           <a:p>
             <a:r>
               <a:rPr lang="en-US" smtClean="0"/>
-              <a:t>Player </a:t>
-            </a:r>
-            <a:r>
-              <a:rPr lang="en-US" smtClean="0"/>
-              <a:t>Structures</a:t>
+              <a:t>Player Structures</a:t>
             </a:r>
             <a:endParaRPr lang="en-US"/>
           </a:p>
@@ -7960,11 +7932,7 @@
               <a:pPr algn="ctr"/>
               <a:r>
                 <a:rPr lang="en-US" sz="1400" b="1" smtClean="0"/>
-                <a:t>Combination: Subclass </a:t>
-              </a:r>
-              <a:r>
-                <a:rPr lang="en-US" sz="1400" b="1" smtClean="0"/>
-                <a:t>and Composite</a:t>
+                <a:t>Combination: Subclass and Composite</a:t>
               </a:r>
               <a:endParaRPr lang="en-US" sz="1400" b="1"/>
             </a:p>
@@ -8651,11 +8619,7 @@
             </a:r>
             <a:r>
               <a:rPr lang="en-US" sz="2000" smtClean="0"/>
-              <a:t>to </a:t>
-            </a:r>
-            <a:r>
-              <a:rPr lang="en-US" sz="2000" smtClean="0"/>
-              <a:t>“FCS / Autopilot” </a:t>
+              <a:t>to “FCS / Autopilot” </a:t>
             </a:r>
             <a:r>
               <a:rPr lang="en-US" sz="2000" dirty="0" smtClean="0"/>
@@ -8663,11 +8627,7 @@
             </a:r>
             <a:r>
               <a:rPr lang="en-US" sz="2000" smtClean="0"/>
-              <a:t>even </a:t>
-            </a:r>
-            <a:r>
-              <a:rPr lang="en-US" sz="2000" smtClean="0"/>
-              <a:t>through direct </a:t>
+              <a:t>even through direct </a:t>
             </a:r>
             <a:r>
               <a:rPr lang="en-US" sz="2000" dirty="0" smtClean="0"/>
@@ -8821,15 +8781,7 @@
             </a:br>
             <a:r>
               <a:rPr lang="en-US" sz="2400" smtClean="0"/>
-              <a:t>(</a:t>
-            </a:r>
-            <a:r>
-              <a:rPr lang="en-US" sz="2400" smtClean="0"/>
-              <a:t>Implementations</a:t>
-            </a:r>
-            <a:r>
-              <a:rPr lang="en-US" sz="2400" smtClean="0"/>
-              <a:t>)</a:t>
+              <a:t>(Implementations)</a:t>
             </a:r>
             <a:endParaRPr lang="en-US" sz="4400"/>
           </a:p>
@@ -8917,11 +8869,7 @@
           <a:p>
             <a:r>
               <a:rPr lang="en-US" smtClean="0"/>
-              <a:t>Pilot </a:t>
-            </a:r>
-            <a:r>
-              <a:rPr lang="en-US" smtClean="0"/>
-              <a:t>Structures</a:t>
+              <a:t>Pilot Structures</a:t>
             </a:r>
             <a:endParaRPr lang="en-US"/>
           </a:p>
@@ -8965,11 +8913,7 @@
             <a:pPr lvl="1"/>
             <a:r>
               <a:rPr lang="en-US" sz="2000" smtClean="0"/>
-              <a:t>Indirect interface to external software system (e.g., Soar, CLIPS, </a:t>
-            </a:r>
-            <a:r>
-              <a:rPr lang="en-US" sz="2000" smtClean="0"/>
-              <a:t>scripts, etc)</a:t>
+              <a:t>Indirect interface to external software system (e.g., Soar, CLIPS, scripts, etc)</a:t>
             </a:r>
             <a:endParaRPr lang="en-US" sz="1600" smtClean="0"/>
           </a:p>
@@ -9314,11 +9258,7 @@
           <a:p>
             <a:r>
               <a:rPr lang="en-US" sz="4000" smtClean="0"/>
-              <a:t>Composite </a:t>
-            </a:r>
-            <a:r>
-              <a:rPr lang="en-US" sz="4000" smtClean="0"/>
-              <a:t>Structure</a:t>
+              <a:t>Composite Structure</a:t>
             </a:r>
             <a:endParaRPr lang="en-US" sz="4000"/>
           </a:p>
@@ -11015,11 +10955,7 @@
             </a:r>
             <a:r>
               <a:rPr lang="en-US" sz="1600" smtClean="0"/>
-              <a:t>of </a:t>
-            </a:r>
-            <a:r>
-              <a:rPr lang="en-US" sz="1600" smtClean="0"/>
-              <a:t>FCS and Autopilot </a:t>
+              <a:t>of FCS and Autopilot </a:t>
             </a:r>
             <a:r>
               <a:rPr lang="en-US" sz="1600" dirty="0" smtClean="0"/>
@@ -11120,11 +11056,7 @@
             </a:r>
             <a:r>
               <a:rPr lang="en-US" smtClean="0"/>
-              <a:t>FMS </a:t>
-            </a:r>
-            <a:r>
-              <a:rPr lang="en-US" smtClean="0"/>
-              <a:t>Relationships</a:t>
+              <a:t>FMS Relationships</a:t>
             </a:r>
             <a:br>
               <a:rPr lang="en-US" smtClean="0"/>
@@ -11193,11 +11125,7 @@
             </a:r>
             <a:r>
               <a:rPr lang="en-US" sz="1800" smtClean="0"/>
-              <a:t>guide </a:t>
-            </a:r>
-            <a:r>
-              <a:rPr lang="en-US" sz="1800" smtClean="0"/>
-              <a:t>or </a:t>
+              <a:t>guide or </a:t>
             </a:r>
             <a:r>
               <a:rPr lang="en-US" sz="1800" b="1" i="1" u="sng" smtClean="0"/>
@@ -12642,24 +12570,7 @@
                 <a:ea typeface="+mj-ea"/>
                 <a:cs typeface="+mj-cs"/>
               </a:rPr>
-              <a:t> </a:t>
-            </a:r>
-            <a:r>
-              <a:rPr kumimoji="0" lang="en-US" sz="4400" b="0" i="0" u="none" strike="noStrike" kern="1200" cap="none" spc="0" normalizeH="0" noProof="0" smtClean="0">
-                <a:ln>
-                  <a:noFill/>
-                </a:ln>
-                <a:solidFill>
-                  <a:schemeClr val="tx1"/>
-                </a:solidFill>
-                <a:effectLst/>
-                <a:uLnTx/>
-                <a:uFillTx/>
-                <a:latin typeface="+mj-lt"/>
-                <a:ea typeface="+mj-ea"/>
-                <a:cs typeface="+mj-cs"/>
-              </a:rPr>
-              <a:t>Dynamics</a:t>
+              <a:t> Dynamics</a:t>
             </a:r>
             <a:endParaRPr kumimoji="0" lang="en-US" sz="4400" b="0" i="0" u="none" strike="noStrike" kern="1200" cap="none" spc="0" normalizeH="0" baseline="0" noProof="0" dirty="0">
               <a:ln>

--- a/doc/agent-development.pptx
+++ b/doc/agent-development.pptx
@@ -324,7 +324,7 @@
             <a:fld id="{1D8BD707-D9CF-40AE-B4C6-C98DA3205C09}" type="datetimeFigureOut">
               <a:rPr lang="en-US" smtClean="0"/>
               <a:pPr/>
-              <a:t>3/6/2013</a:t>
+              <a:t>3/7/2013</a:t>
             </a:fld>
             <a:endParaRPr lang="en-US"/>
           </a:p>
@@ -491,7 +491,7 @@
             <a:fld id="{1D8BD707-D9CF-40AE-B4C6-C98DA3205C09}" type="datetimeFigureOut">
               <a:rPr lang="en-US" smtClean="0"/>
               <a:pPr/>
-              <a:t>3/6/2013</a:t>
+              <a:t>3/7/2013</a:t>
             </a:fld>
             <a:endParaRPr lang="en-US"/>
           </a:p>
@@ -668,7 +668,7 @@
             <a:fld id="{1D8BD707-D9CF-40AE-B4C6-C98DA3205C09}" type="datetimeFigureOut">
               <a:rPr lang="en-US" smtClean="0"/>
               <a:pPr/>
-              <a:t>3/6/2013</a:t>
+              <a:t>3/7/2013</a:t>
             </a:fld>
             <a:endParaRPr lang="en-US"/>
           </a:p>
@@ -1076,7 +1076,7 @@
             <a:fld id="{1D8BD707-D9CF-40AE-B4C6-C98DA3205C09}" type="datetimeFigureOut">
               <a:rPr lang="en-US" smtClean="0"/>
               <a:pPr/>
-              <a:t>3/6/2013</a:t>
+              <a:t>3/7/2013</a:t>
             </a:fld>
             <a:endParaRPr lang="en-US"/>
           </a:p>
@@ -1361,7 +1361,7 @@
             <a:fld id="{1D8BD707-D9CF-40AE-B4C6-C98DA3205C09}" type="datetimeFigureOut">
               <a:rPr lang="en-US" smtClean="0"/>
               <a:pPr/>
-              <a:t>3/6/2013</a:t>
+              <a:t>3/7/2013</a:t>
             </a:fld>
             <a:endParaRPr lang="en-US"/>
           </a:p>
@@ -1780,7 +1780,7 @@
             <a:fld id="{1D8BD707-D9CF-40AE-B4C6-C98DA3205C09}" type="datetimeFigureOut">
               <a:rPr lang="en-US" smtClean="0"/>
               <a:pPr/>
-              <a:t>3/6/2013</a:t>
+              <a:t>3/7/2013</a:t>
             </a:fld>
             <a:endParaRPr lang="en-US"/>
           </a:p>
@@ -1895,7 +1895,7 @@
             <a:fld id="{1D8BD707-D9CF-40AE-B4C6-C98DA3205C09}" type="datetimeFigureOut">
               <a:rPr lang="en-US" smtClean="0"/>
               <a:pPr/>
-              <a:t>3/6/2013</a:t>
+              <a:t>3/7/2013</a:t>
             </a:fld>
             <a:endParaRPr lang="en-US"/>
           </a:p>
@@ -1987,7 +1987,7 @@
             <a:fld id="{1D8BD707-D9CF-40AE-B4C6-C98DA3205C09}" type="datetimeFigureOut">
               <a:rPr lang="en-US" smtClean="0"/>
               <a:pPr/>
-              <a:t>3/6/2013</a:t>
+              <a:t>3/7/2013</a:t>
             </a:fld>
             <a:endParaRPr lang="en-US"/>
           </a:p>
@@ -2261,7 +2261,7 @@
             <a:fld id="{1D8BD707-D9CF-40AE-B4C6-C98DA3205C09}" type="datetimeFigureOut">
               <a:rPr lang="en-US" smtClean="0"/>
               <a:pPr/>
-              <a:t>3/6/2013</a:t>
+              <a:t>3/7/2013</a:t>
             </a:fld>
             <a:endParaRPr lang="en-US"/>
           </a:p>
@@ -2511,7 +2511,7 @@
             <a:fld id="{1D8BD707-D9CF-40AE-B4C6-C98DA3205C09}" type="datetimeFigureOut">
               <a:rPr lang="en-US" smtClean="0"/>
               <a:pPr/>
-              <a:t>3/6/2013</a:t>
+              <a:t>3/7/2013</a:t>
             </a:fld>
             <a:endParaRPr lang="en-US"/>
           </a:p>
@@ -2721,7 +2721,7 @@
             <a:fld id="{1D8BD707-D9CF-40AE-B4C6-C98DA3205C09}" type="datetimeFigureOut">
               <a:rPr lang="en-US" smtClean="0"/>
               <a:pPr/>
-              <a:t>3/6/2013</a:t>
+              <a:t>3/7/2013</a:t>
             </a:fld>
             <a:endParaRPr lang="en-US"/>
           </a:p>
@@ -4717,7 +4717,7 @@
         <p:spPr>
           <a:xfrm>
             <a:off x="3810000" y="5791200"/>
-            <a:ext cx="990600" cy="338554"/>
+            <a:ext cx="1219200" cy="338554"/>
           </a:xfrm>
           <a:prstGeom prst="rect">
             <a:avLst/>
@@ -4732,8 +4732,8 @@
           <a:p>
             <a:pPr algn="ctr"/>
             <a:r>
-              <a:rPr lang="en-US" sz="1600" dirty="0" smtClean="0"/>
-              <a:t>Physics</a:t>
+              <a:rPr lang="en-US" sz="1600" smtClean="0"/>
+              <a:t>Aero-model</a:t>
             </a:r>
             <a:endParaRPr lang="en-US" sz="1600" dirty="0"/>
           </a:p>
@@ -11598,7 +11598,11 @@
               <a:pPr algn="ctr"/>
               <a:r>
                 <a:rPr lang="en-US" smtClean="0"/>
-                <a:t>Fight Control System</a:t>
+                <a:t>Flight </a:t>
+              </a:r>
+              <a:r>
+                <a:rPr lang="en-US" smtClean="0"/>
+                <a:t>Control System</a:t>
               </a:r>
               <a:endParaRPr lang="en-US"/>
             </a:p>
@@ -11776,7 +11780,11 @@
               <a:pPr algn="ctr"/>
               <a:r>
                 <a:rPr lang="en-US" smtClean="0"/>
-                <a:t>Fight Mgt System</a:t>
+                <a:t>Flight </a:t>
+              </a:r>
+              <a:r>
+                <a:rPr lang="en-US" smtClean="0"/>
+                <a:t>Mgt System</a:t>
               </a:r>
               <a:endParaRPr lang="en-US"/>
             </a:p>

--- a/doc/agent-development.pptx
+++ b/doc/agent-development.pptx
@@ -324,7 +324,7 @@
             <a:fld id="{1D8BD707-D9CF-40AE-B4C6-C98DA3205C09}" type="datetimeFigureOut">
               <a:rPr lang="en-US" smtClean="0"/>
               <a:pPr/>
-              <a:t>3/7/2013</a:t>
+              <a:t>10/24/2016</a:t>
             </a:fld>
             <a:endParaRPr lang="en-US"/>
           </a:p>
@@ -491,7 +491,7 @@
             <a:fld id="{1D8BD707-D9CF-40AE-B4C6-C98DA3205C09}" type="datetimeFigureOut">
               <a:rPr lang="en-US" smtClean="0"/>
               <a:pPr/>
-              <a:t>3/7/2013</a:t>
+              <a:t>10/24/2016</a:t>
             </a:fld>
             <a:endParaRPr lang="en-US"/>
           </a:p>
@@ -668,7 +668,7 @@
             <a:fld id="{1D8BD707-D9CF-40AE-B4C6-C98DA3205C09}" type="datetimeFigureOut">
               <a:rPr lang="en-US" smtClean="0"/>
               <a:pPr/>
-              <a:t>3/7/2013</a:t>
+              <a:t>10/24/2016</a:t>
             </a:fld>
             <a:endParaRPr lang="en-US"/>
           </a:p>
@@ -1076,7 +1076,7 @@
             <a:fld id="{1D8BD707-D9CF-40AE-B4C6-C98DA3205C09}" type="datetimeFigureOut">
               <a:rPr lang="en-US" smtClean="0"/>
               <a:pPr/>
-              <a:t>3/7/2013</a:t>
+              <a:t>10/24/2016</a:t>
             </a:fld>
             <a:endParaRPr lang="en-US"/>
           </a:p>
@@ -1361,7 +1361,7 @@
             <a:fld id="{1D8BD707-D9CF-40AE-B4C6-C98DA3205C09}" type="datetimeFigureOut">
               <a:rPr lang="en-US" smtClean="0"/>
               <a:pPr/>
-              <a:t>3/7/2013</a:t>
+              <a:t>10/24/2016</a:t>
             </a:fld>
             <a:endParaRPr lang="en-US"/>
           </a:p>
@@ -1780,7 +1780,7 @@
             <a:fld id="{1D8BD707-D9CF-40AE-B4C6-C98DA3205C09}" type="datetimeFigureOut">
               <a:rPr lang="en-US" smtClean="0"/>
               <a:pPr/>
-              <a:t>3/7/2013</a:t>
+              <a:t>10/24/2016</a:t>
             </a:fld>
             <a:endParaRPr lang="en-US"/>
           </a:p>
@@ -1895,7 +1895,7 @@
             <a:fld id="{1D8BD707-D9CF-40AE-B4C6-C98DA3205C09}" type="datetimeFigureOut">
               <a:rPr lang="en-US" smtClean="0"/>
               <a:pPr/>
-              <a:t>3/7/2013</a:t>
+              <a:t>10/24/2016</a:t>
             </a:fld>
             <a:endParaRPr lang="en-US"/>
           </a:p>
@@ -1987,7 +1987,7 @@
             <a:fld id="{1D8BD707-D9CF-40AE-B4C6-C98DA3205C09}" type="datetimeFigureOut">
               <a:rPr lang="en-US" smtClean="0"/>
               <a:pPr/>
-              <a:t>3/7/2013</a:t>
+              <a:t>10/24/2016</a:t>
             </a:fld>
             <a:endParaRPr lang="en-US"/>
           </a:p>
@@ -2261,7 +2261,7 @@
             <a:fld id="{1D8BD707-D9CF-40AE-B4C6-C98DA3205C09}" type="datetimeFigureOut">
               <a:rPr lang="en-US" smtClean="0"/>
               <a:pPr/>
-              <a:t>3/7/2013</a:t>
+              <a:t>10/24/2016</a:t>
             </a:fld>
             <a:endParaRPr lang="en-US"/>
           </a:p>
@@ -2511,7 +2511,7 @@
             <a:fld id="{1D8BD707-D9CF-40AE-B4C6-C98DA3205C09}" type="datetimeFigureOut">
               <a:rPr lang="en-US" smtClean="0"/>
               <a:pPr/>
-              <a:t>3/7/2013</a:t>
+              <a:t>10/24/2016</a:t>
             </a:fld>
             <a:endParaRPr lang="en-US"/>
           </a:p>
@@ -2721,7 +2721,7 @@
             <a:fld id="{1D8BD707-D9CF-40AE-B4C6-C98DA3205C09}" type="datetimeFigureOut">
               <a:rPr lang="en-US" smtClean="0"/>
               <a:pPr/>
-              <a:t>3/7/2013</a:t>
+              <a:t>10/24/2016</a:t>
             </a:fld>
             <a:endParaRPr lang="en-US"/>
           </a:p>
@@ -3546,10 +3546,14 @@
           <a:p>
             <a:pPr algn="ctr"/>
             <a:r>
-              <a:rPr lang="en-US" sz="1600" smtClean="0"/>
-              <a:t>from Player.h</a:t>
-            </a:r>
-            <a:endParaRPr lang="en-US" sz="1600"/>
+              <a:rPr lang="en-US" sz="1600" dirty="0" smtClean="0"/>
+              <a:t>from </a:t>
+            </a:r>
+            <a:r>
+              <a:rPr lang="en-US" sz="1600" dirty="0" smtClean="0"/>
+              <a:t>Player.hpp</a:t>
+            </a:r>
+            <a:endParaRPr lang="en-US" sz="1600" dirty="0"/>
           </a:p>
         </p:txBody>
       </p:sp>
@@ -3707,38 +3711,6 @@
           </a:p>
         </p:txBody>
       </p:sp>
-      <p:pic>
-        <p:nvPicPr>
-          <p:cNvPr id="2051" name="Picture 3"/>
-          <p:cNvPicPr>
-            <a:picLocks noChangeAspect="1" noChangeArrowheads="1"/>
-          </p:cNvPicPr>
-          <p:nvPr/>
-        </p:nvPicPr>
-        <p:blipFill>
-          <a:blip r:embed="rId2" cstate="print"/>
-          <a:srcRect/>
-          <a:stretch>
-            <a:fillRect/>
-          </a:stretch>
-        </p:blipFill>
-        <p:spPr bwMode="auto">
-          <a:xfrm>
-            <a:off x="1295400" y="1447800"/>
-            <a:ext cx="6915150" cy="4610100"/>
-          </a:xfrm>
-          <a:prstGeom prst="rect">
-            <a:avLst/>
-          </a:prstGeom>
-          <a:noFill/>
-          <a:ln w="9525">
-            <a:noFill/>
-            <a:miter lim="800000"/>
-            <a:headEnd/>
-            <a:tailEnd/>
-          </a:ln>
-        </p:spPr>
-      </p:pic>
       <p:sp>
         <p:nvSpPr>
           <p:cNvPr id="7" name="TextBox 6"/>
@@ -3763,10 +3735,14 @@
           <a:p>
             <a:pPr algn="ctr"/>
             <a:r>
-              <a:rPr lang="en-US" sz="1600" smtClean="0"/>
-              <a:t>from Player.h</a:t>
-            </a:r>
-            <a:endParaRPr lang="en-US" sz="1600"/>
+              <a:rPr lang="en-US" sz="1600" dirty="0" smtClean="0"/>
+              <a:t>from </a:t>
+            </a:r>
+            <a:r>
+              <a:rPr lang="en-US" sz="1600" dirty="0" smtClean="0"/>
+              <a:t>Player.hpp</a:t>
+            </a:r>
+            <a:endParaRPr lang="en-US" sz="1600" dirty="0"/>
           </a:p>
         </p:txBody>
       </p:sp>
@@ -3778,7 +3754,7 @@
         </p:nvCxnSpPr>
         <p:spPr>
           <a:xfrm flipV="1">
-            <a:off x="1066800" y="2438400"/>
+            <a:off x="1066800" y="2275937"/>
             <a:ext cx="228600" cy="152400"/>
           </a:xfrm>
           <a:prstGeom prst="straightConnector1">
@@ -3814,7 +3790,7 @@
         </p:nvCxnSpPr>
         <p:spPr>
           <a:xfrm flipV="1">
-            <a:off x="1066800" y="3505200"/>
+            <a:off x="1048109" y="3429000"/>
             <a:ext cx="228600" cy="152400"/>
           </a:xfrm>
           <a:prstGeom prst="straightConnector1">
@@ -3850,7 +3826,7 @@
         </p:nvCxnSpPr>
         <p:spPr>
           <a:xfrm flipV="1">
-            <a:off x="1066800" y="5943600"/>
+            <a:off x="1066081" y="6035615"/>
             <a:ext cx="228600" cy="152400"/>
           </a:xfrm>
           <a:prstGeom prst="straightConnector1">
@@ -3878,6 +3854,60 @@
           </a:fontRef>
         </p:style>
       </p:cxnSp>
+      <p:pic>
+        <p:nvPicPr>
+          <p:cNvPr id="1026" name="Picture 2"/>
+          <p:cNvPicPr>
+            <a:picLocks noChangeAspect="1" noChangeArrowheads="1"/>
+          </p:cNvPicPr>
+          <p:nvPr/>
+        </p:nvPicPr>
+        <p:blipFill>
+          <a:blip r:embed="rId2">
+            <a:extLst>
+              <a:ext uri="{28A0092B-C50C-407E-A947-70E740481C1C}">
+                <a14:useLocalDpi xmlns:a14="http://schemas.microsoft.com/office/drawing/2010/main" val="0"/>
+              </a:ext>
+            </a:extLst>
+          </a:blip>
+          <a:srcRect/>
+          <a:stretch>
+            <a:fillRect/>
+          </a:stretch>
+        </p:blipFill>
+        <p:spPr bwMode="auto">
+          <a:xfrm>
+            <a:off x="1322717" y="1304925"/>
+            <a:ext cx="6905625" cy="4791075"/>
+          </a:xfrm>
+          <a:prstGeom prst="rect">
+            <a:avLst/>
+          </a:prstGeom>
+          <a:noFill/>
+          <a:ln>
+            <a:noFill/>
+          </a:ln>
+          <a:extLst>
+            <a:ext uri="{909E8E84-426E-40DD-AFC4-6F175D3DCCD1}">
+              <a14:hiddenFill xmlns:a14="http://schemas.microsoft.com/office/drawing/2010/main">
+                <a:solidFill>
+                  <a:schemeClr val="accent1"/>
+                </a:solidFill>
+              </a14:hiddenFill>
+            </a:ext>
+            <a:ext uri="{91240B29-F687-4F45-9708-019B960494DF}">
+              <a14:hiddenLine xmlns:a14="http://schemas.microsoft.com/office/drawing/2010/main" w="9525">
+                <a:solidFill>
+                  <a:schemeClr val="tx1"/>
+                </a:solidFill>
+                <a:miter lim="800000"/>
+                <a:headEnd/>
+                <a:tailEnd/>
+              </a14:hiddenLine>
+            </a:ext>
+          </a:extLst>
+        </p:spPr>
+      </p:pic>
     </p:spTree>
   </p:cSld>
   <p:clrMapOvr>
@@ -3910,70 +3940,22 @@
           <a:chExt cx="0" cy="0"/>
         </a:xfrm>
       </p:grpSpPr>
-      <p:sp>
-        <p:nvSpPr>
-          <p:cNvPr id="2" name="Title 1"/>
-          <p:cNvSpPr>
-            <a:spLocks noGrp="1"/>
-          </p:cNvSpPr>
-          <p:nvPr>
-            <p:ph type="title"/>
-          </p:nvPr>
-        </p:nvSpPr>
-        <p:spPr/>
-        <p:txBody>
-          <a:bodyPr/>
-          <a:lstStyle/>
-          <a:p>
-            <a:r>
-              <a:rPr lang="en-US" smtClean="0"/>
-              <a:t>Player FCS Interface</a:t>
-            </a:r>
-            <a:endParaRPr lang="en-US"/>
-          </a:p>
-        </p:txBody>
-      </p:sp>
-      <p:sp>
-        <p:nvSpPr>
-          <p:cNvPr id="3" name="Content Placeholder 2"/>
-          <p:cNvSpPr>
-            <a:spLocks noGrp="1"/>
-          </p:cNvSpPr>
-          <p:nvPr>
-            <p:ph idx="1"/>
-          </p:nvPr>
-        </p:nvSpPr>
-        <p:spPr/>
-        <p:txBody>
-          <a:bodyPr>
-            <a:normAutofit/>
-          </a:bodyPr>
-          <a:lstStyle/>
-          <a:p>
-            <a:r>
-              <a:rPr lang="en-US" sz="2400" smtClean="0"/>
-              <a:t>Default: requires a DynamicsModel to do anything meaningful</a:t>
-            </a:r>
-          </a:p>
-          <a:p>
-            <a:r>
-              <a:rPr lang="en-US" sz="2400" smtClean="0"/>
-              <a:t>Functionality can be implemented in subclass</a:t>
-            </a:r>
-            <a:endParaRPr lang="en-US" sz="2400"/>
-          </a:p>
-        </p:txBody>
-      </p:sp>
       <p:pic>
         <p:nvPicPr>
-          <p:cNvPr id="3074" name="Picture 2"/>
+          <p:cNvPr id="2052" name="Picture 4"/>
           <p:cNvPicPr>
             <a:picLocks noChangeAspect="1" noChangeArrowheads="1"/>
           </p:cNvPicPr>
           <p:nvPr/>
         </p:nvPicPr>
         <p:blipFill>
-          <a:blip r:embed="rId2" cstate="print"/>
+          <a:blip r:embed="rId2">
+            <a:extLst>
+              <a:ext uri="{28A0092B-C50C-407E-A947-70E740481C1C}">
+                <a14:useLocalDpi xmlns:a14="http://schemas.microsoft.com/office/drawing/2010/main" val="0"/>
+              </a:ext>
+            </a:extLst>
+          </a:blip>
           <a:srcRect/>
           <a:stretch>
             <a:fillRect/>
@@ -3981,21 +3963,91 @@
         </p:blipFill>
         <p:spPr bwMode="auto">
           <a:xfrm>
-            <a:off x="1295400" y="2514600"/>
-            <a:ext cx="6638925" cy="3419475"/>
+            <a:off x="1264489" y="2362200"/>
+            <a:ext cx="6600825" cy="3638550"/>
           </a:xfrm>
           <a:prstGeom prst="rect">
             <a:avLst/>
           </a:prstGeom>
           <a:noFill/>
-          <a:ln w="9525">
+          <a:ln>
             <a:noFill/>
-            <a:miter lim="800000"/>
-            <a:headEnd/>
-            <a:tailEnd/>
           </a:ln>
+          <a:extLst>
+            <a:ext uri="{909E8E84-426E-40DD-AFC4-6F175D3DCCD1}">
+              <a14:hiddenFill xmlns:a14="http://schemas.microsoft.com/office/drawing/2010/main">
+                <a:solidFill>
+                  <a:schemeClr val="accent1"/>
+                </a:solidFill>
+              </a14:hiddenFill>
+            </a:ext>
+            <a:ext uri="{91240B29-F687-4F45-9708-019B960494DF}">
+              <a14:hiddenLine xmlns:a14="http://schemas.microsoft.com/office/drawing/2010/main" w="9525">
+                <a:solidFill>
+                  <a:schemeClr val="tx1"/>
+                </a:solidFill>
+                <a:miter lim="800000"/>
+                <a:headEnd/>
+                <a:tailEnd/>
+              </a14:hiddenLine>
+            </a:ext>
+          </a:extLst>
         </p:spPr>
       </p:pic>
+      <p:sp>
+        <p:nvSpPr>
+          <p:cNvPr id="2" name="Title 1"/>
+          <p:cNvSpPr>
+            <a:spLocks noGrp="1"/>
+          </p:cNvSpPr>
+          <p:nvPr>
+            <p:ph type="title"/>
+          </p:nvPr>
+        </p:nvSpPr>
+        <p:spPr/>
+        <p:txBody>
+          <a:bodyPr/>
+          <a:lstStyle/>
+          <a:p>
+            <a:r>
+              <a:rPr lang="en-US" smtClean="0"/>
+              <a:t>Player FCS Interface</a:t>
+            </a:r>
+            <a:endParaRPr lang="en-US"/>
+          </a:p>
+        </p:txBody>
+      </p:sp>
+      <p:sp>
+        <p:nvSpPr>
+          <p:cNvPr id="3" name="Content Placeholder 2"/>
+          <p:cNvSpPr>
+            <a:spLocks noGrp="1"/>
+          </p:cNvSpPr>
+          <p:nvPr>
+            <p:ph idx="1"/>
+          </p:nvPr>
+        </p:nvSpPr>
+        <p:spPr/>
+        <p:txBody>
+          <a:bodyPr>
+            <a:normAutofit/>
+          </a:bodyPr>
+          <a:lstStyle/>
+          <a:p>
+            <a:r>
+              <a:rPr lang="en-US" sz="2400" smtClean="0"/>
+              <a:t>Default: requires a DynamicsModel to do anything meaningful</a:t>
+            </a:r>
+          </a:p>
+          <a:p>
+            <a:r>
+              <a:rPr lang="en-US" sz="2400" smtClean="0"/>
+              <a:t>Functionality can be implemented in subclass</a:t>
+            </a:r>
+            <a:endParaRPr lang="en-US" sz="2400"/>
+          </a:p>
+        </p:txBody>
+      </p:sp>
       <p:cxnSp>
         <p:nvCxnSpPr>
           <p:cNvPr id="5" name="Straight Arrow Connector 4"/>
@@ -4004,7 +4056,7 @@
         </p:nvCxnSpPr>
         <p:spPr>
           <a:xfrm flipV="1">
-            <a:off x="1066800" y="3581400"/>
+            <a:off x="1066800" y="3531079"/>
             <a:ext cx="381000" cy="76200"/>
           </a:xfrm>
           <a:prstGeom prst="straightConnector1">
@@ -4040,7 +4092,7 @@
         </p:nvCxnSpPr>
         <p:spPr>
           <a:xfrm flipV="1">
-            <a:off x="1066800" y="5334000"/>
+            <a:off x="1066800" y="5410200"/>
             <a:ext cx="381000" cy="76200"/>
           </a:xfrm>
           <a:prstGeom prst="straightConnector1">
@@ -5621,10 +5673,14 @@
           <a:p>
             <a:pPr algn="ctr"/>
             <a:r>
-              <a:rPr lang="en-US" sz="1600" smtClean="0"/>
-              <a:t>from Player.h</a:t>
-            </a:r>
-            <a:endParaRPr lang="en-US" sz="1600"/>
+              <a:rPr lang="en-US" sz="1600" dirty="0" smtClean="0"/>
+              <a:t>from </a:t>
+            </a:r>
+            <a:r>
+              <a:rPr lang="en-US" sz="1600" dirty="0" smtClean="0"/>
+              <a:t>Player.hpp</a:t>
+            </a:r>
+            <a:endParaRPr lang="en-US" sz="1600" dirty="0"/>
           </a:p>
         </p:txBody>
       </p:sp>
@@ -5728,39 +5784,22 @@
           <a:chExt cx="0" cy="0"/>
         </a:xfrm>
       </p:grpSpPr>
-      <p:sp>
-        <p:nvSpPr>
-          <p:cNvPr id="2" name="Title 1"/>
-          <p:cNvSpPr>
-            <a:spLocks noGrp="1"/>
-          </p:cNvSpPr>
-          <p:nvPr>
-            <p:ph type="title"/>
-          </p:nvPr>
-        </p:nvSpPr>
-        <p:spPr/>
-        <p:txBody>
-          <a:bodyPr/>
-          <a:lstStyle/>
-          <a:p>
-            <a:r>
-              <a:rPr lang="en-US" smtClean="0"/>
-              <a:t>Player FCS / Autopilot Interface</a:t>
-            </a:r>
-            <a:endParaRPr lang="en-US" dirty="0"/>
-          </a:p>
-        </p:txBody>
-      </p:sp>
       <p:pic>
         <p:nvPicPr>
-          <p:cNvPr id="8194" name="Picture 2"/>
+          <p:cNvPr id="3074" name="Picture 2"/>
           <p:cNvPicPr>
             <a:picLocks noChangeAspect="1" noChangeArrowheads="1"/>
           </p:cNvPicPr>
           <p:nvPr/>
         </p:nvPicPr>
         <p:blipFill>
-          <a:blip r:embed="rId2" cstate="print"/>
+          <a:blip r:embed="rId2">
+            <a:extLst>
+              <a:ext uri="{28A0092B-C50C-407E-A947-70E740481C1C}">
+                <a14:useLocalDpi xmlns:a14="http://schemas.microsoft.com/office/drawing/2010/main" val="0"/>
+              </a:ext>
+            </a:extLst>
+          </a:blip>
           <a:srcRect/>
           <a:stretch>
             <a:fillRect/>
@@ -5768,21 +5807,60 @@
         </p:blipFill>
         <p:spPr bwMode="auto">
           <a:xfrm>
-            <a:off x="2057400" y="1447800"/>
-            <a:ext cx="4514850" cy="4724400"/>
+            <a:off x="2324100" y="1236453"/>
+            <a:ext cx="4495800" cy="5029200"/>
           </a:xfrm>
           <a:prstGeom prst="rect">
             <a:avLst/>
           </a:prstGeom>
           <a:noFill/>
-          <a:ln w="9525">
+          <a:ln>
             <a:noFill/>
-            <a:miter lim="800000"/>
-            <a:headEnd/>
-            <a:tailEnd/>
           </a:ln>
+          <a:extLst>
+            <a:ext uri="{909E8E84-426E-40DD-AFC4-6F175D3DCCD1}">
+              <a14:hiddenFill xmlns:a14="http://schemas.microsoft.com/office/drawing/2010/main">
+                <a:solidFill>
+                  <a:schemeClr val="accent1"/>
+                </a:solidFill>
+              </a14:hiddenFill>
+            </a:ext>
+            <a:ext uri="{91240B29-F687-4F45-9708-019B960494DF}">
+              <a14:hiddenLine xmlns:a14="http://schemas.microsoft.com/office/drawing/2010/main" w="9525">
+                <a:solidFill>
+                  <a:schemeClr val="tx1"/>
+                </a:solidFill>
+                <a:miter lim="800000"/>
+                <a:headEnd/>
+                <a:tailEnd/>
+              </a14:hiddenLine>
+            </a:ext>
+          </a:extLst>
         </p:spPr>
       </p:pic>
+      <p:sp>
+        <p:nvSpPr>
+          <p:cNvPr id="2" name="Title 1"/>
+          <p:cNvSpPr>
+            <a:spLocks noGrp="1"/>
+          </p:cNvSpPr>
+          <p:nvPr>
+            <p:ph type="title"/>
+          </p:nvPr>
+        </p:nvSpPr>
+        <p:spPr/>
+        <p:txBody>
+          <a:bodyPr/>
+          <a:lstStyle/>
+          <a:p>
+            <a:r>
+              <a:rPr lang="en-US" smtClean="0"/>
+              <a:t>Player FCS / Autopilot Interface</a:t>
+            </a:r>
+            <a:endParaRPr lang="en-US" dirty="0"/>
+          </a:p>
+        </p:txBody>
+      </p:sp>
       <p:sp>
         <p:nvSpPr>
           <p:cNvPr id="5" name="TextBox 4"/>
@@ -5822,7 +5900,7 @@
         </p:nvCxnSpPr>
         <p:spPr>
           <a:xfrm flipV="1">
-            <a:off x="1828800" y="2057400"/>
+            <a:off x="2133600" y="1894936"/>
             <a:ext cx="381000" cy="76200"/>
           </a:xfrm>
           <a:prstGeom prst="straightConnector1">
@@ -5858,7 +5936,7 @@
         </p:nvCxnSpPr>
         <p:spPr>
           <a:xfrm flipV="1">
-            <a:off x="1828800" y="4495800"/>
+            <a:off x="2133600" y="4457700"/>
             <a:ext cx="381000" cy="76200"/>
           </a:xfrm>
           <a:prstGeom prst="straightConnector1">
@@ -6546,10 +6624,14 @@
           <a:p>
             <a:pPr algn="ctr"/>
             <a:r>
-              <a:rPr lang="en-US" sz="1600" smtClean="0"/>
-              <a:t>from Player.h</a:t>
-            </a:r>
-            <a:endParaRPr lang="en-US" sz="1600"/>
+              <a:rPr lang="en-US" sz="1600" dirty="0" smtClean="0"/>
+              <a:t>from </a:t>
+            </a:r>
+            <a:r>
+              <a:rPr lang="en-US" sz="1600" dirty="0" smtClean="0"/>
+              <a:t>Player.hpp</a:t>
+            </a:r>
+            <a:endParaRPr lang="en-US" sz="1600" dirty="0"/>
           </a:p>
         </p:txBody>
       </p:sp>
@@ -6919,14 +7001,20 @@
       </p:grpSpPr>
       <p:pic>
         <p:nvPicPr>
-          <p:cNvPr id="11267" name="Picture 3"/>
+          <p:cNvPr id="4098" name="Picture 2"/>
           <p:cNvPicPr>
             <a:picLocks noChangeAspect="1" noChangeArrowheads="1"/>
           </p:cNvPicPr>
           <p:nvPr/>
         </p:nvPicPr>
         <p:blipFill>
-          <a:blip r:embed="rId2" cstate="print"/>
+          <a:blip r:embed="rId2">
+            <a:extLst>
+              <a:ext uri="{28A0092B-C50C-407E-A947-70E740481C1C}">
+                <a14:useLocalDpi xmlns:a14="http://schemas.microsoft.com/office/drawing/2010/main" val="0"/>
+              </a:ext>
+            </a:extLst>
+          </a:blip>
           <a:srcRect/>
           <a:stretch>
             <a:fillRect/>
@@ -6934,19 +7022,35 @@
         </p:blipFill>
         <p:spPr bwMode="auto">
           <a:xfrm>
-            <a:off x="914400" y="3352800"/>
-            <a:ext cx="7085575" cy="2438400"/>
+            <a:off x="1143000" y="3443377"/>
+            <a:ext cx="6210300" cy="2066925"/>
           </a:xfrm>
           <a:prstGeom prst="rect">
             <a:avLst/>
           </a:prstGeom>
           <a:noFill/>
-          <a:ln w="9525">
+          <a:ln>
             <a:noFill/>
-            <a:miter lim="800000"/>
-            <a:headEnd/>
-            <a:tailEnd/>
           </a:ln>
+          <a:extLst>
+            <a:ext uri="{909E8E84-426E-40DD-AFC4-6F175D3DCCD1}">
+              <a14:hiddenFill xmlns:a14="http://schemas.microsoft.com/office/drawing/2010/main">
+                <a:solidFill>
+                  <a:schemeClr val="accent1"/>
+                </a:solidFill>
+              </a14:hiddenFill>
+            </a:ext>
+            <a:ext uri="{91240B29-F687-4F45-9708-019B960494DF}">
+              <a14:hiddenLine xmlns:a14="http://schemas.microsoft.com/office/drawing/2010/main" w="9525">
+                <a:solidFill>
+                  <a:schemeClr val="tx1"/>
+                </a:solidFill>
+                <a:miter lim="800000"/>
+                <a:headEnd/>
+                <a:tailEnd/>
+              </a14:hiddenLine>
+            </a:ext>
+          </a:extLst>
         </p:spPr>
       </p:pic>
       <p:sp>
@@ -7046,8 +7150,8 @@
         </p:nvSpPr>
         <p:spPr>
           <a:xfrm>
-            <a:off x="3124200" y="4648200"/>
-            <a:ext cx="381000" cy="533400"/>
+            <a:off x="3071004" y="4549306"/>
+            <a:ext cx="270320" cy="403694"/>
           </a:xfrm>
           <a:prstGeom prst="rightBrace">
             <a:avLst>
@@ -7092,7 +7196,7 @@
         </p:nvSpPr>
         <p:spPr>
           <a:xfrm>
-            <a:off x="3657600" y="4724400"/>
+            <a:off x="3657600" y="4581876"/>
             <a:ext cx="3200400" cy="338554"/>
           </a:xfrm>
           <a:prstGeom prst="rect">
@@ -8470,7 +8574,7 @@
       </p:sp>
       <p:pic>
         <p:nvPicPr>
-          <p:cNvPr id="15362" name="Picture 2"/>
+          <p:cNvPr id="1026" name="Picture 2"/>
           <p:cNvPicPr>
             <a:picLocks noChangeAspect="1" noChangeArrowheads="1"/>
           </p:cNvPicPr>
@@ -8485,8 +8589,8 @@
         </p:blipFill>
         <p:spPr bwMode="auto">
           <a:xfrm>
-            <a:off x="609600" y="2514600"/>
-            <a:ext cx="1143000" cy="2315059"/>
+            <a:off x="2209800" y="2514600"/>
+            <a:ext cx="6191250" cy="3714750"/>
           </a:xfrm>
           <a:prstGeom prst="rect">
             <a:avLst/>
@@ -8502,14 +8606,20 @@
       </p:pic>
       <p:pic>
         <p:nvPicPr>
-          <p:cNvPr id="1026" name="Picture 2"/>
+          <p:cNvPr id="5122" name="Picture 2"/>
           <p:cNvPicPr>
             <a:picLocks noChangeAspect="1" noChangeArrowheads="1"/>
           </p:cNvPicPr>
           <p:nvPr/>
         </p:nvPicPr>
         <p:blipFill>
-          <a:blip r:embed="rId3" cstate="print"/>
+          <a:blip r:embed="rId3">
+            <a:extLst>
+              <a:ext uri="{28A0092B-C50C-407E-A947-70E740481C1C}">
+                <a14:useLocalDpi xmlns:a14="http://schemas.microsoft.com/office/drawing/2010/main" val="0"/>
+              </a:ext>
+            </a:extLst>
+          </a:blip>
           <a:srcRect/>
           <a:stretch>
             <a:fillRect/>
@@ -8517,19 +8627,35 @@
         </p:blipFill>
         <p:spPr bwMode="auto">
           <a:xfrm>
-            <a:off x="2209800" y="2514600"/>
-            <a:ext cx="6191250" cy="3714750"/>
+            <a:off x="552630" y="2438400"/>
+            <a:ext cx="1238250" cy="2505075"/>
           </a:xfrm>
           <a:prstGeom prst="rect">
             <a:avLst/>
           </a:prstGeom>
           <a:noFill/>
-          <a:ln w="9525">
+          <a:ln>
             <a:noFill/>
-            <a:miter lim="800000"/>
-            <a:headEnd/>
-            <a:tailEnd/>
           </a:ln>
+          <a:extLst>
+            <a:ext uri="{909E8E84-426E-40DD-AFC4-6F175D3DCCD1}">
+              <a14:hiddenFill xmlns:a14="http://schemas.microsoft.com/office/drawing/2010/main">
+                <a:solidFill>
+                  <a:schemeClr val="accent1"/>
+                </a:solidFill>
+              </a14:hiddenFill>
+            </a:ext>
+            <a:ext uri="{91240B29-F687-4F45-9708-019B960494DF}">
+              <a14:hiddenLine xmlns:a14="http://schemas.microsoft.com/office/drawing/2010/main" w="9525">
+                <a:solidFill>
+                  <a:schemeClr val="tx1"/>
+                </a:solidFill>
+                <a:miter lim="800000"/>
+                <a:headEnd/>
+                <a:tailEnd/>
+              </a14:hiddenLine>
+            </a:ext>
+          </a:extLst>
         </p:spPr>
       </p:pic>
     </p:spTree>
@@ -9318,10 +9444,14 @@
           <a:p>
             <a:pPr algn="ctr"/>
             <a:r>
-              <a:rPr lang="en-US" sz="1600" smtClean="0"/>
-              <a:t>from Player.h</a:t>
-            </a:r>
-            <a:endParaRPr lang="en-US" sz="1600"/>
+              <a:rPr lang="en-US" sz="1600" dirty="0" smtClean="0"/>
+              <a:t>from </a:t>
+            </a:r>
+            <a:r>
+              <a:rPr lang="en-US" sz="1600" dirty="0" smtClean="0"/>
+              <a:t>Player.hpp</a:t>
+            </a:r>
+            <a:endParaRPr lang="en-US" sz="1600" dirty="0"/>
           </a:p>
         </p:txBody>
       </p:sp>
@@ -11598,11 +11728,7 @@
               <a:pPr algn="ctr"/>
               <a:r>
                 <a:rPr lang="en-US" smtClean="0"/>
-                <a:t>Flight </a:t>
-              </a:r>
-              <a:r>
-                <a:rPr lang="en-US" smtClean="0"/>
-                <a:t>Control System</a:t>
+                <a:t>Flight Control System</a:t>
               </a:r>
               <a:endParaRPr lang="en-US"/>
             </a:p>
@@ -11780,11 +11906,7 @@
               <a:pPr algn="ctr"/>
               <a:r>
                 <a:rPr lang="en-US" smtClean="0"/>
-                <a:t>Flight </a:t>
-              </a:r>
-              <a:r>
-                <a:rPr lang="en-US" smtClean="0"/>
-                <a:t>Mgt System</a:t>
+                <a:t>Flight Mgt System</a:t>
               </a:r>
               <a:endParaRPr lang="en-US"/>
             </a:p>
